--- a/Archivos/Not New Super Mario.pptx
+++ b/Archivos/Not New Super Mario.pptx
@@ -4411,52 +4411,6 @@
       </p:sp>
       <p:pic>
         <p:nvPicPr>
-          <p:cNvPr id="5" name="Marcador de contenido 4">
-            <a:extLst>
-              <a:ext uri="{FF2B5EF4-FFF2-40B4-BE49-F238E27FC236}">
-                <a16:creationId xmlns:a16="http://schemas.microsoft.com/office/drawing/2014/main" id="{1203D326-3CCF-4453-923D-1F4E82AB5674}"/>
-              </a:ext>
-            </a:extLst>
-          </p:cNvPr>
-          <p:cNvPicPr>
-            <a:picLocks noGrp="1" noChangeAspect="1"/>
-          </p:cNvPicPr>
-          <p:nvPr>
-            <p:ph idx="1"/>
-          </p:nvPr>
-        </p:nvPicPr>
-        <p:blipFill>
-          <a:blip r:embed="rId2"/>
-          <a:stretch>
-            <a:fillRect/>
-          </a:stretch>
-        </p:blipFill>
-        <p:spPr>
-          <a:xfrm>
-            <a:off x="1371600" y="2230515"/>
-            <a:ext cx="7546521" cy="3581400"/>
-          </a:xfrm>
-          <a:prstGeom prst="rect">
-            <a:avLst/>
-          </a:prstGeom>
-          <a:ln w="38100" cap="sq">
-            <a:solidFill>
-              <a:srgbClr val="000000"/>
-            </a:solidFill>
-            <a:prstDash val="solid"/>
-            <a:miter lim="800000"/>
-          </a:ln>
-          <a:effectLst>
-            <a:outerShdw blurRad="50800" dist="38100" dir="2700000" algn="tl" rotWithShape="0">
-              <a:srgbClr val="000000">
-                <a:alpha val="43000"/>
-              </a:srgbClr>
-            </a:outerShdw>
-          </a:effectLst>
-        </p:spPr>
-      </p:pic>
-      <p:pic>
-        <p:nvPicPr>
           <p:cNvPr id="4100" name="Picture 4" descr="Resultado de imagen para super mario odyssey trailer">
             <a:extLst>
               <a:ext uri="{FF2B5EF4-FFF2-40B4-BE49-F238E27FC236}">
@@ -4470,7 +4424,7 @@
           <p:nvPr/>
         </p:nvPicPr>
         <p:blipFill rotWithShape="1">
-          <a:blip r:embed="rId3">
+          <a:blip r:embed="rId2">
             <a:extLst>
               <a:ext uri="{28A0092B-C50C-407E-A947-70E740481C1C}">
                 <a14:useLocalDpi xmlns:a14="http://schemas.microsoft.com/office/drawing/2010/main" val="0"/>
@@ -4498,6 +4452,35 @@
               </a14:hiddenFill>
             </a:ext>
           </a:extLst>
+        </p:spPr>
+      </p:pic>
+      <p:pic>
+        <p:nvPicPr>
+          <p:cNvPr id="8" name="Marcador de contenido 7">
+            <a:extLst>
+              <a:ext uri="{FF2B5EF4-FFF2-40B4-BE49-F238E27FC236}">
+                <a16:creationId xmlns:a16="http://schemas.microsoft.com/office/drawing/2014/main" id="{E550DEC2-9C36-44C2-ACCA-3D8C0DF8A280}"/>
+              </a:ext>
+            </a:extLst>
+          </p:cNvPr>
+          <p:cNvPicPr>
+            <a:picLocks noGrp="1" noChangeAspect="1"/>
+          </p:cNvPicPr>
+          <p:nvPr>
+            <p:ph idx="1"/>
+          </p:nvPr>
+        </p:nvPicPr>
+        <p:blipFill>
+          <a:blip r:embed="rId3"/>
+          <a:stretch>
+            <a:fillRect/>
+          </a:stretch>
+        </p:blipFill>
+        <p:spPr>
+          <a:xfrm>
+            <a:off x="1371599" y="2171700"/>
+            <a:ext cx="7546521" cy="3581400"/>
+          </a:xfrm>
         </p:spPr>
       </p:pic>
     </p:spTree>
